--- a/Project Updates and Other Materials/TabUltraPoster-Brown.pptx
+++ b/Project Updates and Other Materials/TabUltraPoster-Brown.pptx
@@ -3858,18 +3858,18 @@
           </a:p>
           <a:p>
             <a:r>
-              <a:rPr lang="en-US" sz="4800" dirty="0" err="1">
+              <a:rPr lang="en-US" sz="4800">
                 <a:latin typeface="Times New Roman" panose="02020603050405020304" pitchFamily="18" charset="0"/>
                 <a:cs typeface="Times New Roman" panose="02020603050405020304" pitchFamily="18" charset="0"/>
               </a:rPr>
-              <a:t>Javascript</a:t>
+              <a:t>JavaScript </a:t>
             </a:r>
             <a:r>
               <a:rPr lang="en-US" sz="4800" dirty="0">
                 <a:latin typeface="Times New Roman" panose="02020603050405020304" pitchFamily="18" charset="0"/>
                 <a:cs typeface="Times New Roman" panose="02020603050405020304" pitchFamily="18" charset="0"/>
               </a:rPr>
-              <a:t> and coding support</a:t>
+              <a:t>and coding support</a:t>
             </a:r>
           </a:p>
         </p:txBody>
